--- a/myex/作業4 - StringVariables.pptx
+++ b/myex/作業4 - StringVariables.pptx
@@ -35505,7 +35505,15 @@
             </a:r>
             <a:r>
               <a:rPr lang="en-US" sz="2800"/>
-              <a:t>指定Susan這個字串給first_name</a:t>
+              <a:t>指定</a:t>
+            </a:r>
+            <a:r>
+              <a:rPr lang="en-US" sz="2800"/>
+              <a:t>字串</a:t>
+            </a:r>
+            <a:r>
+              <a:rPr lang="en-US" sz="2800"/>
+              <a:t>Susan給first_name</a:t>
             </a:r>
             <a:endParaRPr sz="2800"/>
           </a:p>
@@ -35555,7 +35563,15 @@
             </a:r>
             <a:r>
               <a:rPr lang="en-US" sz="2800"/>
-              <a:t>列印出Susan這個字串</a:t>
+              <a:t>列印出</a:t>
+            </a:r>
+            <a:r>
+              <a:rPr lang="en-US" sz="2800"/>
+              <a:t>字串</a:t>
+            </a:r>
+            <a:r>
+              <a:rPr lang="en-US" sz="2800"/>
+              <a:t>Susan</a:t>
             </a:r>
             <a:endParaRPr sz="2800"/>
           </a:p>
@@ -35940,7 +35956,11 @@
             </a:pPr>
             <a:r>
               <a:rPr lang="en-US" sz="3000"/>
-              <a:t>#列印出Susanc連著lbach</a:t>
+              <a:t>#列印出Susanc連接lbach的</a:t>
+            </a:r>
+            <a:r>
+              <a:rPr lang="en-US" sz="3000"/>
+              <a:t>字串</a:t>
             </a:r>
             <a:endParaRPr sz="3000"/>
           </a:p>
@@ -36010,7 +36030,11 @@
             </a:pPr>
             <a:r>
               <a:rPr lang="en-US" sz="3000"/>
-              <a:t>#列印出Hello 連著Susan，再連著1個空格，再連著Ibach</a:t>
+              <a:t>#列印出Hello 連接Susan，再連接1個空格，再連接Ibach的</a:t>
+            </a:r>
+            <a:r>
+              <a:rPr lang="en-US" sz="3000"/>
+              <a:t>字串</a:t>
             </a:r>
             <a:endParaRPr sz="3000"/>
           </a:p>
@@ -36264,7 +36288,7 @@
             </a:br>
             <a:r>
               <a:rPr b="1" lang="en-US" sz="2800"/>
-              <a:t>你可以使用函数修改字符串</a:t>
+              <a:t>你可以使用函数修改字串</a:t>
             </a:r>
             <a:endParaRPr sz="2800"/>
           </a:p>
@@ -36315,7 +36339,7 @@
             </a:pPr>
             <a:r>
               <a:rPr lang="en-US" sz="2400"/>
-              <a:t>sentence = ‘</a:t>
+              <a:t>sentence =</a:t>
             </a:r>
             <a:r>
               <a:rPr lang="en-US" sz="2400">
@@ -36323,7 +36347,7 @@
                   <a:srgbClr val="C00000"/>
                 </a:solidFill>
               </a:rPr>
-              <a:t>The dog is named Sammy’   </a:t>
+              <a:t>'The dog is named Sammy'</a:t>
             </a:r>
             <a:endParaRPr sz="2400">
               <a:solidFill>
@@ -36354,7 +36378,7 @@
             </a:r>
             <a:r>
               <a:rPr lang="en-US" sz="2400"/>
-              <a:t>字母</a:t>
+              <a:t>字母，並列印</a:t>
             </a:r>
             <a:endParaRPr sz="2400"/>
           </a:p>
@@ -36381,7 +36405,7 @@
             </a:r>
             <a:r>
               <a:rPr lang="en-US" sz="2400"/>
-              <a:t>字母</a:t>
+              <a:t>字母，並列印</a:t>
             </a:r>
             <a:endParaRPr sz="2400"/>
           </a:p>
@@ -36431,15 +36455,11 @@
             </a:r>
             <a:r>
               <a:rPr lang="en-US" sz="2400"/>
-              <a:t>把sentence裡的字串中，轉換成只有</a:t>
+              <a:t>把sentence裡的字串，只有句</a:t>
             </a:r>
             <a:r>
               <a:rPr lang="en-US" sz="2400"/>
-              <a:t>字</a:t>
-            </a:r>
-            <a:r>
-              <a:rPr lang="en-US" sz="2400"/>
-              <a:t>首是大寫字母</a:t>
+              <a:t>首轉換成大寫字母，其餘是小寫字母</a:t>
             </a:r>
             <a:endParaRPr sz="2400"/>
           </a:p>
@@ -36478,7 +36498,7 @@
             </a:r>
             <a:r>
               <a:rPr lang="en-US" sz="2400"/>
-              <a:t>列印出字串中的單字a所在的格位數</a:t>
+              <a:t>列印出此句字串中，字元a出現的次數</a:t>
             </a:r>
             <a:endParaRPr sz="2400"/>
           </a:p>
@@ -37007,7 +37027,50 @@
             </a:pPr>
             <a:r>
               <a:rPr lang="en-US" sz="2400"/>
-              <a:t>#列印出Hello 連著第一次用鍵盤輸入的字串，再連著第二次用鍵盤輸入的字串</a:t>
+              <a:t>#列印出Hello 連接第一次用鍵盤輸入的字串，並</a:t>
+            </a:r>
+            <a:r>
+              <a:rPr lang="en-US" sz="2400"/>
+              <a:t>轉換成句首大寫，其餘小寫</a:t>
+            </a:r>
+            <a:endParaRPr sz="2400"/>
+          </a:p>
+          <a:p>
+            <a:pPr indent="0" lvl="0" marL="0" rtl="0" algn="l">
+              <a:lnSpc>
+                <a:spcPct val="90000"/>
+              </a:lnSpc>
+              <a:spcBef>
+                <a:spcPts val="600"/>
+              </a:spcBef>
+              <a:spcAft>
+                <a:spcPts val="0"/>
+              </a:spcAft>
+              <a:buClr>
+                <a:srgbClr val="000000"/>
+              </a:buClr>
+              <a:buSzPts val="1620"/>
+              <a:buNone/>
+            </a:pPr>
+            <a:r>
+              <a:rPr lang="en-US" sz="2400"/>
+              <a:t>#</a:t>
+            </a:r>
+            <a:r>
+              <a:rPr lang="en-US" sz="2400"/>
+              <a:t>再連接</a:t>
+            </a:r>
+            <a:r>
+              <a:rPr lang="en-US" sz="2400"/>
+              <a:t>一個空格，再連接</a:t>
+            </a:r>
+            <a:r>
+              <a:rPr lang="en-US" sz="2400"/>
+              <a:t>第二次用鍵盤輸入的字串，</a:t>
+            </a:r>
+            <a:r>
+              <a:rPr lang="en-US" sz="2400"/>
+              <a:t>並轉換句首大寫，其餘小寫</a:t>
             </a:r>
             <a:br>
               <a:rPr lang="en-US" sz="2400"/>
